--- a/各各他的愛.pptx
+++ b/各各他的愛.pptx
@@ -5,8 +5,12 @@
     <p:sldMasterId id="2147483660" r:id="rId1"/>
   </p:sldMasterIdLst>
   <p:sldIdLst>
-    <p:sldId id="257" r:id="rId2"/>
-    <p:sldId id="258" r:id="rId3"/>
+    <p:sldId id="259" r:id="rId2"/>
+    <p:sldId id="260" r:id="rId3"/>
+    <p:sldId id="261" r:id="rId4"/>
+    <p:sldId id="262" r:id="rId5"/>
+    <p:sldId id="263" r:id="rId6"/>
+    <p:sldId id="264" r:id="rId7"/>
   </p:sldIdLst>
   <p:sldSz cx="12192000" cy="6858000"/>
   <p:notesSz cx="6858000" cy="9144000"/>
@@ -105,6 +109,11 @@
       </a:defRPr>
     </a:lvl9pPr>
   </p:defaultTextStyle>
+  <p:extLst>
+    <p:ext uri="{EFAFB233-063F-42B5-8137-9DF3F51BA10A}">
+      <p15:sldGuideLst xmlns:p15="http://schemas.microsoft.com/office/powerpoint/2012/main"/>
+    </p:ext>
+  </p:extLst>
 </p:presentation>
 </file>
 
@@ -289,7 +298,7 @@
           <a:p>
             <a:fld id="{D6CE7E54-EC58-4680-B10E-8A37EAA111F0}" type="datetimeFigureOut">
               <a:rPr lang="vi-VN" smtClean="0"/>
-              <a:t>07/04/2020</a:t>
+              <a:t>19/03/2022</a:t>
             </a:fld>
             <a:endParaRPr lang="vi-VN"/>
           </a:p>
@@ -459,7 +468,7 @@
           <a:p>
             <a:fld id="{D6CE7E54-EC58-4680-B10E-8A37EAA111F0}" type="datetimeFigureOut">
               <a:rPr lang="vi-VN" smtClean="0"/>
-              <a:t>07/04/2020</a:t>
+              <a:t>19/03/2022</a:t>
             </a:fld>
             <a:endParaRPr lang="vi-VN"/>
           </a:p>
@@ -639,7 +648,7 @@
           <a:p>
             <a:fld id="{D6CE7E54-EC58-4680-B10E-8A37EAA111F0}" type="datetimeFigureOut">
               <a:rPr lang="vi-VN" smtClean="0"/>
-              <a:t>07/04/2020</a:t>
+              <a:t>19/03/2022</a:t>
             </a:fld>
             <a:endParaRPr lang="vi-VN"/>
           </a:p>
@@ -809,7 +818,7 @@
           <a:p>
             <a:fld id="{D6CE7E54-EC58-4680-B10E-8A37EAA111F0}" type="datetimeFigureOut">
               <a:rPr lang="vi-VN" smtClean="0"/>
-              <a:t>07/04/2020</a:t>
+              <a:t>19/03/2022</a:t>
             </a:fld>
             <a:endParaRPr lang="vi-VN"/>
           </a:p>
@@ -1055,7 +1064,7 @@
           <a:p>
             <a:fld id="{D6CE7E54-EC58-4680-B10E-8A37EAA111F0}" type="datetimeFigureOut">
               <a:rPr lang="vi-VN" smtClean="0"/>
-              <a:t>07/04/2020</a:t>
+              <a:t>19/03/2022</a:t>
             </a:fld>
             <a:endParaRPr lang="vi-VN"/>
           </a:p>
@@ -1343,7 +1352,7 @@
           <a:p>
             <a:fld id="{D6CE7E54-EC58-4680-B10E-8A37EAA111F0}" type="datetimeFigureOut">
               <a:rPr lang="vi-VN" smtClean="0"/>
-              <a:t>07/04/2020</a:t>
+              <a:t>19/03/2022</a:t>
             </a:fld>
             <a:endParaRPr lang="vi-VN"/>
           </a:p>
@@ -1765,7 +1774,7 @@
           <a:p>
             <a:fld id="{D6CE7E54-EC58-4680-B10E-8A37EAA111F0}" type="datetimeFigureOut">
               <a:rPr lang="vi-VN" smtClean="0"/>
-              <a:t>07/04/2020</a:t>
+              <a:t>19/03/2022</a:t>
             </a:fld>
             <a:endParaRPr lang="vi-VN"/>
           </a:p>
@@ -1883,7 +1892,7 @@
           <a:p>
             <a:fld id="{D6CE7E54-EC58-4680-B10E-8A37EAA111F0}" type="datetimeFigureOut">
               <a:rPr lang="vi-VN" smtClean="0"/>
-              <a:t>07/04/2020</a:t>
+              <a:t>19/03/2022</a:t>
             </a:fld>
             <a:endParaRPr lang="vi-VN"/>
           </a:p>
@@ -1978,7 +1987,7 @@
           <a:p>
             <a:fld id="{D6CE7E54-EC58-4680-B10E-8A37EAA111F0}" type="datetimeFigureOut">
               <a:rPr lang="vi-VN" smtClean="0"/>
-              <a:t>07/04/2020</a:t>
+              <a:t>19/03/2022</a:t>
             </a:fld>
             <a:endParaRPr lang="vi-VN"/>
           </a:p>
@@ -2255,7 +2264,7 @@
           <a:p>
             <a:fld id="{D6CE7E54-EC58-4680-B10E-8A37EAA111F0}" type="datetimeFigureOut">
               <a:rPr lang="vi-VN" smtClean="0"/>
-              <a:t>07/04/2020</a:t>
+              <a:t>19/03/2022</a:t>
             </a:fld>
             <a:endParaRPr lang="vi-VN"/>
           </a:p>
@@ -2512,7 +2521,7 @@
           <a:p>
             <a:fld id="{D6CE7E54-EC58-4680-B10E-8A37EAA111F0}" type="datetimeFigureOut">
               <a:rPr lang="vi-VN" smtClean="0"/>
-              <a:t>07/04/2020</a:t>
+              <a:t>19/03/2022</a:t>
             </a:fld>
             <a:endParaRPr lang="vi-VN"/>
           </a:p>
@@ -2730,7 +2739,7 @@
           <a:p>
             <a:fld id="{D6CE7E54-EC58-4680-B10E-8A37EAA111F0}" type="datetimeFigureOut">
               <a:rPr lang="vi-VN" smtClean="0"/>
-              <a:t>07/04/2020</a:t>
+              <a:t>19/03/2022</a:t>
             </a:fld>
             <a:endParaRPr lang="vi-VN"/>
           </a:p>
@@ -3107,7 +3116,7 @@
       </p:grpSpPr>
       <p:sp>
         <p:nvSpPr>
-          <p:cNvPr id="2" name="Title 1"/>
+          <p:cNvPr id="4" name="標題 3"/>
           <p:cNvSpPr>
             <a:spLocks noGrp="1"/>
           </p:cNvSpPr>
@@ -3115,250 +3124,65 @@
             <p:ph type="title"/>
           </p:nvPr>
         </p:nvSpPr>
-        <p:spPr/>
+        <p:spPr>
+          <a:xfrm>
+            <a:off x="0" y="2660915"/>
+            <a:ext cx="12192000" cy="1143000"/>
+          </a:xfrm>
+        </p:spPr>
         <p:txBody>
           <a:bodyPr>
-            <a:normAutofit/>
+            <a:noAutofit/>
           </a:bodyPr>
           <a:lstStyle/>
           <a:p>
             <a:r>
-              <a:rPr lang="zh-CN" altLang="en-US" sz="4800" b="1" dirty="0">
-                <a:latin typeface="Microsoft JhengHei" panose="020B0604030504040204" pitchFamily="34" charset="-120"/>
-                <a:ea typeface="Microsoft JhengHei" panose="020B0604030504040204" pitchFamily="34" charset="-120"/>
+              <a:rPr lang="zh-CN" altLang="en-US" sz="7200" b="1" i="1" dirty="0">
+                <a:solidFill>
+                  <a:srgbClr val="000066"/>
+                </a:solidFill>
+                <a:effectLst>
+                  <a:outerShdw blurRad="38100" dist="38100" dir="2700000" algn="tl">
+                    <a:srgbClr val="000000">
+                      <a:alpha val="43137"/>
+                    </a:srgbClr>
+                  </a:outerShdw>
+                </a:effectLst>
+                <a:latin typeface="微軟正黑體" pitchFamily="34" charset="-120"/>
+                <a:ea typeface="微軟正黑體" pitchFamily="34" charset="-120"/>
               </a:rPr>
-              <a:t>各各他的</a:t>
-            </a:r>
-            <a:r>
-              <a:rPr lang="zh-CN" altLang="en-US" sz="4800" b="1" dirty="0" smtClean="0">
-                <a:latin typeface="Microsoft JhengHei" panose="020B0604030504040204" pitchFamily="34" charset="-120"/>
-                <a:ea typeface="Microsoft JhengHei" panose="020B0604030504040204" pitchFamily="34" charset="-120"/>
+              <a:t>各</a:t>
+            </a:r>
+            <a:r>
+              <a:rPr lang="zh-CN" altLang="en-US" sz="7200" b="1" i="1" dirty="0">
+                <a:solidFill>
+                  <a:srgbClr val="000066"/>
+                </a:solidFill>
+                <a:effectLst>
+                  <a:outerShdw blurRad="38100" dist="38100" dir="2700000" algn="tl">
+                    <a:srgbClr val="000000">
+                      <a:alpha val="43137"/>
+                    </a:srgbClr>
+                  </a:outerShdw>
+                </a:effectLst>
+                <a:latin typeface="微軟正黑體" pitchFamily="34" charset="-120"/>
+                <a:ea typeface="微軟正黑體" pitchFamily="34" charset="-120"/>
               </a:rPr>
-              <a:t>愛</a:t>
-            </a:r>
-            <a:endParaRPr lang="vi-VN" sz="4800" b="1" dirty="0">
-              <a:ea typeface="Microsoft JhengHei" panose="020B0604030504040204" pitchFamily="34" charset="-120"/>
-            </a:endParaRPr>
-          </a:p>
-        </p:txBody>
-      </p:sp>
-      <p:sp>
-        <p:nvSpPr>
-          <p:cNvPr id="3" name="Content Placeholder 2"/>
-          <p:cNvSpPr>
-            <a:spLocks noGrp="1"/>
-          </p:cNvSpPr>
-          <p:nvPr>
-            <p:ph idx="1"/>
-          </p:nvPr>
-        </p:nvSpPr>
-        <p:spPr/>
-        <p:txBody>
-          <a:bodyPr>
-            <a:normAutofit/>
-          </a:bodyPr>
-          <a:lstStyle/>
-          <a:p>
-            <a:pPr marL="0" indent="0" algn="ctr">
-              <a:buNone/>
-            </a:pPr>
-            <a:r>
-              <a:rPr lang="zh-TW" altLang="en-US" sz="5400" b="1" dirty="0">
-                <a:latin typeface="Microsoft JhengHei" panose="020B0604030504040204" pitchFamily="34" charset="-120"/>
-                <a:ea typeface="Microsoft JhengHei" panose="020B0604030504040204" pitchFamily="34" charset="-120"/>
-              </a:rPr>
-              <a:t>你看 </a:t>
-            </a:r>
-            <a:r>
-              <a:rPr lang="zh-TW" altLang="en-US" sz="5400" b="1" dirty="0" smtClean="0">
-                <a:latin typeface="Microsoft JhengHei" panose="020B0604030504040204" pitchFamily="34" charset="-120"/>
-                <a:ea typeface="Microsoft JhengHei" panose="020B0604030504040204" pitchFamily="34" charset="-120"/>
-              </a:rPr>
-              <a:t> 你</a:t>
-            </a:r>
-            <a:r>
-              <a:rPr lang="zh-TW" altLang="en-US" sz="5400" b="1" dirty="0">
-                <a:latin typeface="Microsoft JhengHei" panose="020B0604030504040204" pitchFamily="34" charset="-120"/>
-                <a:ea typeface="Microsoft JhengHei" panose="020B0604030504040204" pitchFamily="34" charset="-120"/>
-              </a:rPr>
-              <a:t>看 </a:t>
-            </a:r>
-            <a:r>
-              <a:rPr lang="zh-TW" altLang="en-US" sz="5400" b="1" dirty="0" smtClean="0">
-                <a:latin typeface="Microsoft JhengHei" panose="020B0604030504040204" pitchFamily="34" charset="-120"/>
-                <a:ea typeface="Microsoft JhengHei" panose="020B0604030504040204" pitchFamily="34" charset="-120"/>
-              </a:rPr>
-              <a:t> 耶</a:t>
-            </a:r>
-            <a:r>
-              <a:rPr lang="zh-TW" altLang="en-US" sz="5400" b="1" dirty="0">
-                <a:latin typeface="Microsoft JhengHei" panose="020B0604030504040204" pitchFamily="34" charset="-120"/>
-                <a:ea typeface="Microsoft JhengHei" panose="020B0604030504040204" pitchFamily="34" charset="-120"/>
-              </a:rPr>
-              <a:t>穌背著十字</a:t>
-            </a:r>
-            <a:r>
-              <a:rPr lang="zh-TW" altLang="en-US" sz="5400" b="1" dirty="0" smtClean="0">
-                <a:latin typeface="Microsoft JhengHei" panose="020B0604030504040204" pitchFamily="34" charset="-120"/>
-                <a:ea typeface="Microsoft JhengHei" panose="020B0604030504040204" pitchFamily="34" charset="-120"/>
-              </a:rPr>
-              <a:t>架</a:t>
-            </a:r>
-            <a:endParaRPr lang="en-US" altLang="zh-TW" sz="5400" b="1" dirty="0" smtClean="0">
-              <a:latin typeface="Microsoft JhengHei" panose="020B0604030504040204" pitchFamily="34" charset="-120"/>
-              <a:ea typeface="Microsoft JhengHei" panose="020B0604030504040204" pitchFamily="34" charset="-120"/>
-            </a:endParaRPr>
-          </a:p>
-          <a:p>
-            <a:pPr marL="0" indent="0" algn="ctr">
-              <a:buNone/>
-            </a:pPr>
-            <a:r>
-              <a:rPr lang="zh-TW" altLang="en-US" sz="5400" b="1" dirty="0" smtClean="0">
-                <a:latin typeface="Microsoft JhengHei" panose="020B0604030504040204" pitchFamily="34" charset="-120"/>
-                <a:ea typeface="Microsoft JhengHei" panose="020B0604030504040204" pitchFamily="34" charset="-120"/>
-              </a:rPr>
-              <a:t>你</a:t>
-            </a:r>
-            <a:r>
-              <a:rPr lang="zh-TW" altLang="en-US" sz="5400" b="1" dirty="0">
-                <a:latin typeface="Microsoft JhengHei" panose="020B0604030504040204" pitchFamily="34" charset="-120"/>
-                <a:ea typeface="Microsoft JhengHei" panose="020B0604030504040204" pitchFamily="34" charset="-120"/>
-              </a:rPr>
-              <a:t>看 </a:t>
-            </a:r>
-            <a:r>
-              <a:rPr lang="zh-TW" altLang="en-US" sz="5400" b="1" dirty="0" smtClean="0">
-                <a:latin typeface="Microsoft JhengHei" panose="020B0604030504040204" pitchFamily="34" charset="-120"/>
-                <a:ea typeface="Microsoft JhengHei" panose="020B0604030504040204" pitchFamily="34" charset="-120"/>
-              </a:rPr>
-              <a:t> 你</a:t>
-            </a:r>
-            <a:r>
-              <a:rPr lang="zh-TW" altLang="en-US" sz="5400" b="1" dirty="0">
-                <a:latin typeface="Microsoft JhengHei" panose="020B0604030504040204" pitchFamily="34" charset="-120"/>
-                <a:ea typeface="Microsoft JhengHei" panose="020B0604030504040204" pitchFamily="34" charset="-120"/>
-              </a:rPr>
-              <a:t>聽 </a:t>
-            </a:r>
-            <a:r>
-              <a:rPr lang="zh-TW" altLang="en-US" sz="5400" b="1" dirty="0" smtClean="0">
-                <a:latin typeface="Microsoft JhengHei" panose="020B0604030504040204" pitchFamily="34" charset="-120"/>
-                <a:ea typeface="Microsoft JhengHei" panose="020B0604030504040204" pitchFamily="34" charset="-120"/>
-              </a:rPr>
-              <a:t> </a:t>
-            </a:r>
-            <a:r>
-              <a:rPr lang="zh-CN" altLang="en-US" sz="5400" b="1" dirty="0" smtClean="0">
-                <a:latin typeface="Microsoft JhengHei" panose="020B0604030504040204" pitchFamily="34" charset="-120"/>
-                <a:ea typeface="Microsoft JhengHei" panose="020B0604030504040204" pitchFamily="34" charset="-120"/>
-              </a:rPr>
-              <a:t>祂</a:t>
-            </a:r>
-            <a:r>
-              <a:rPr lang="zh-TW" altLang="en-US" sz="5400" b="1" dirty="0" smtClean="0">
-                <a:latin typeface="Microsoft JhengHei" panose="020B0604030504040204" pitchFamily="34" charset="-120"/>
-                <a:ea typeface="Microsoft JhengHei" panose="020B0604030504040204" pitchFamily="34" charset="-120"/>
-              </a:rPr>
-              <a:t>為</a:t>
-            </a:r>
-            <a:r>
-              <a:rPr lang="zh-TW" altLang="en-US" sz="5400" b="1" dirty="0">
-                <a:latin typeface="Microsoft JhengHei" panose="020B0604030504040204" pitchFamily="34" charset="-120"/>
-                <a:ea typeface="Microsoft JhengHei" panose="020B0604030504040204" pitchFamily="34" charset="-120"/>
-              </a:rPr>
-              <a:t>什麼不說</a:t>
-            </a:r>
-            <a:r>
-              <a:rPr lang="zh-TW" altLang="en-US" sz="5400" b="1" dirty="0" smtClean="0">
-                <a:latin typeface="Microsoft JhengHei" panose="020B0604030504040204" pitchFamily="34" charset="-120"/>
-                <a:ea typeface="Microsoft JhengHei" panose="020B0604030504040204" pitchFamily="34" charset="-120"/>
-              </a:rPr>
-              <a:t>話</a:t>
-            </a:r>
-            <a:endParaRPr lang="en-US" altLang="zh-TW" sz="5400" b="1" dirty="0" smtClean="0">
-              <a:latin typeface="Microsoft JhengHei" panose="020B0604030504040204" pitchFamily="34" charset="-120"/>
-              <a:ea typeface="Microsoft JhengHei" panose="020B0604030504040204" pitchFamily="34" charset="-120"/>
-            </a:endParaRPr>
-          </a:p>
-          <a:p>
-            <a:pPr marL="0" indent="0" algn="ctr">
-              <a:buNone/>
-            </a:pPr>
-            <a:r>
-              <a:rPr lang="zh-TW" altLang="en-US" sz="5400" b="1" dirty="0" smtClean="0">
-                <a:latin typeface="Microsoft JhengHei" panose="020B0604030504040204" pitchFamily="34" charset="-120"/>
-                <a:ea typeface="Microsoft JhengHei" panose="020B0604030504040204" pitchFamily="34" charset="-120"/>
-              </a:rPr>
-              <a:t>一</a:t>
-            </a:r>
-            <a:r>
-              <a:rPr lang="zh-TW" altLang="en-US" sz="5400" b="1" dirty="0">
-                <a:latin typeface="Microsoft JhengHei" panose="020B0604030504040204" pitchFamily="34" charset="-120"/>
-                <a:ea typeface="Microsoft JhengHei" panose="020B0604030504040204" pitchFamily="34" charset="-120"/>
-              </a:rPr>
-              <a:t>步</a:t>
-            </a:r>
-            <a:r>
-              <a:rPr lang="zh-TW" altLang="en-US" sz="5400" b="1" dirty="0" smtClean="0">
-                <a:latin typeface="Microsoft JhengHei" panose="020B0604030504040204" pitchFamily="34" charset="-120"/>
-                <a:ea typeface="Microsoft JhengHei" panose="020B0604030504040204" pitchFamily="34" charset="-120"/>
-              </a:rPr>
-              <a:t>步  走</a:t>
-            </a:r>
-            <a:r>
-              <a:rPr lang="zh-TW" altLang="en-US" sz="5400" b="1" dirty="0">
-                <a:latin typeface="Microsoft JhengHei" panose="020B0604030504040204" pitchFamily="34" charset="-120"/>
-                <a:ea typeface="Microsoft JhengHei" panose="020B0604030504040204" pitchFamily="34" charset="-120"/>
-              </a:rPr>
-              <a:t>向</a:t>
-            </a:r>
-            <a:r>
-              <a:rPr lang="zh-TW" altLang="en-US" sz="5400" b="1" dirty="0" smtClean="0">
-                <a:latin typeface="Microsoft JhengHei" panose="020B0604030504040204" pitchFamily="34" charset="-120"/>
-                <a:ea typeface="Microsoft JhengHei" panose="020B0604030504040204" pitchFamily="34" charset="-120"/>
-              </a:rPr>
-              <a:t>那  名</a:t>
-            </a:r>
-            <a:r>
-              <a:rPr lang="zh-TW" altLang="en-US" sz="5400" b="1" dirty="0">
-                <a:latin typeface="Microsoft JhengHei" panose="020B0604030504040204" pitchFamily="34" charset="-120"/>
-                <a:ea typeface="Microsoft JhengHei" panose="020B0604030504040204" pitchFamily="34" charset="-120"/>
-              </a:rPr>
-              <a:t>叫各各</a:t>
-            </a:r>
-            <a:r>
-              <a:rPr lang="zh-TW" altLang="en-US" sz="5400" b="1" dirty="0" smtClean="0">
-                <a:latin typeface="Microsoft JhengHei" panose="020B0604030504040204" pitchFamily="34" charset="-120"/>
-                <a:ea typeface="Microsoft JhengHei" panose="020B0604030504040204" pitchFamily="34" charset="-120"/>
-              </a:rPr>
-              <a:t>他</a:t>
-            </a:r>
-            <a:endParaRPr lang="en-US" altLang="zh-TW" sz="5400" b="1" dirty="0" smtClean="0">
-              <a:latin typeface="Microsoft JhengHei" panose="020B0604030504040204" pitchFamily="34" charset="-120"/>
-              <a:ea typeface="Microsoft JhengHei" panose="020B0604030504040204" pitchFamily="34" charset="-120"/>
-            </a:endParaRPr>
-          </a:p>
-          <a:p>
-            <a:pPr marL="0" indent="0" algn="ctr">
-              <a:buNone/>
-            </a:pPr>
-            <a:r>
-              <a:rPr lang="zh-TW" altLang="en-US" sz="5400" b="1" dirty="0" smtClean="0">
-                <a:latin typeface="Microsoft JhengHei" panose="020B0604030504040204" pitchFamily="34" charset="-120"/>
-                <a:ea typeface="Microsoft JhengHei" panose="020B0604030504040204" pitchFamily="34" charset="-120"/>
-              </a:rPr>
-              <a:t>甘</a:t>
-            </a:r>
-            <a:r>
-              <a:rPr lang="zh-TW" altLang="en-US" sz="5400" b="1" dirty="0">
-                <a:latin typeface="Microsoft JhengHei" panose="020B0604030504040204" pitchFamily="34" charset="-120"/>
-                <a:ea typeface="Microsoft JhengHei" panose="020B0604030504040204" pitchFamily="34" charset="-120"/>
-              </a:rPr>
-              <a:t>心為我們釘十架</a:t>
-            </a:r>
-            <a:endParaRPr lang="vi-VN" sz="5400" b="1" dirty="0">
-              <a:ea typeface="Microsoft JhengHei" panose="020B0604030504040204" pitchFamily="34" charset="-120"/>
+              <a:t>各他的愛</a:t>
+            </a:r>
+            <a:endParaRPr lang="zh-TW" altLang="en-US" sz="7200" b="1" i="1" dirty="0">
+              <a:solidFill>
+                <a:srgbClr val="000066"/>
+              </a:solidFill>
+              <a:effectLst>
+                <a:outerShdw blurRad="38100" dist="38100" dir="2700000" algn="tl">
+                  <a:srgbClr val="000000">
+                    <a:alpha val="43137"/>
+                  </a:srgbClr>
+                </a:outerShdw>
+              </a:effectLst>
+              <a:latin typeface="微軟正黑體" pitchFamily="34" charset="-120"/>
+              <a:ea typeface="微軟正黑體" pitchFamily="34" charset="-120"/>
             </a:endParaRPr>
           </a:p>
         </p:txBody>
@@ -3366,7 +3190,7 @@
     </p:spTree>
     <p:extLst>
       <p:ext uri="{BB962C8B-B14F-4D97-AF65-F5344CB8AC3E}">
-        <p14:creationId xmlns:p14="http://schemas.microsoft.com/office/powerpoint/2010/main" val="2029406088"/>
+        <p14:creationId xmlns:p14="http://schemas.microsoft.com/office/powerpoint/2010/main" val="3470091411"/>
       </p:ext>
     </p:extLst>
   </p:cSld>
@@ -3395,288 +3219,878 @@
       </p:grpSpPr>
       <p:sp>
         <p:nvSpPr>
-          <p:cNvPr id="2" name="Title 1"/>
-          <p:cNvSpPr>
-            <a:spLocks noGrp="1"/>
-          </p:cNvSpPr>
-          <p:nvPr>
-            <p:ph type="title"/>
-          </p:nvPr>
-        </p:nvSpPr>
-        <p:spPr/>
-        <p:txBody>
-          <a:bodyPr>
+          <p:cNvPr id="5" name="內容版面配置區 4"/>
+          <p:cNvSpPr>
+            <a:spLocks noGrp="1"/>
+          </p:cNvSpPr>
+          <p:nvPr>
+            <p:ph idx="1"/>
+          </p:nvPr>
+        </p:nvSpPr>
+        <p:spPr>
+          <a:xfrm>
+            <a:off x="0" y="2084851"/>
+            <a:ext cx="12192000" cy="2404863"/>
+          </a:xfrm>
+        </p:spPr>
+        <p:txBody>
+          <a:bodyPr anchor="ctr">
             <a:normAutofit/>
           </a:bodyPr>
           <a:lstStyle/>
           <a:p>
-            <a:r>
-              <a:rPr lang="zh-CN" altLang="en-US" sz="4800" b="1" dirty="0">
+            <a:pPr marL="0" indent="0" algn="ctr">
+              <a:buNone/>
+            </a:pPr>
+            <a:r>
+              <a:rPr lang="zh-TW" altLang="en-US" sz="6400" b="1" dirty="0">
+                <a:solidFill>
+                  <a:srgbClr val="000066"/>
+                </a:solidFill>
+                <a:effectLst/>
+                <a:latin typeface="微軟正黑體" pitchFamily="34" charset="-120"/>
+                <a:ea typeface="微軟正黑體" pitchFamily="34" charset="-120"/>
+              </a:rPr>
+              <a:t>你看  你看  耶穌背著十字架</a:t>
+            </a:r>
+            <a:endParaRPr lang="en-US" altLang="zh-TW" sz="6400" b="1" dirty="0">
+              <a:solidFill>
+                <a:srgbClr val="000066"/>
+              </a:solidFill>
+              <a:effectLst/>
+              <a:latin typeface="微軟正黑體" pitchFamily="34" charset="-120"/>
+              <a:ea typeface="微軟正黑體" pitchFamily="34" charset="-120"/>
+            </a:endParaRPr>
+          </a:p>
+          <a:p>
+            <a:pPr marL="0" indent="0" algn="ctr">
+              <a:buNone/>
+            </a:pPr>
+            <a:r>
+              <a:rPr lang="zh-TW" altLang="en-US" sz="6400" b="1" dirty="0">
+                <a:solidFill>
+                  <a:srgbClr val="000066"/>
+                </a:solidFill>
+                <a:effectLst/>
+                <a:latin typeface="微軟正黑體" pitchFamily="34" charset="-120"/>
+                <a:ea typeface="微軟正黑體" pitchFamily="34" charset="-120"/>
+              </a:rPr>
+              <a:t>你看  你聽  </a:t>
+            </a:r>
+            <a:r>
+              <a:rPr lang="zh-CN" altLang="en-US" sz="6400" b="1" dirty="0">
+                <a:solidFill>
+                  <a:srgbClr val="000066"/>
+                </a:solidFill>
+                <a:effectLst/>
+                <a:latin typeface="微軟正黑體" pitchFamily="34" charset="-120"/>
+                <a:ea typeface="微軟正黑體" pitchFamily="34" charset="-120"/>
+              </a:rPr>
+              <a:t>祂</a:t>
+            </a:r>
+            <a:r>
+              <a:rPr lang="zh-TW" altLang="en-US" sz="6400" b="1" dirty="0">
+                <a:solidFill>
+                  <a:srgbClr val="000066"/>
+                </a:solidFill>
+                <a:effectLst/>
+                <a:latin typeface="微軟正黑體" pitchFamily="34" charset="-120"/>
+                <a:ea typeface="微軟正黑體" pitchFamily="34" charset="-120"/>
+              </a:rPr>
+              <a:t>為什麼不說話</a:t>
+            </a:r>
+            <a:endParaRPr lang="en-US" altLang="zh-TW" sz="6400" b="1" dirty="0">
+              <a:solidFill>
+                <a:srgbClr val="000066"/>
+              </a:solidFill>
+              <a:effectLst/>
+              <a:latin typeface="微軟正黑體" pitchFamily="34" charset="-120"/>
+              <a:ea typeface="微軟正黑體" pitchFamily="34" charset="-120"/>
+            </a:endParaRPr>
+          </a:p>
+        </p:txBody>
+      </p:sp>
+      <p:sp>
+        <p:nvSpPr>
+          <p:cNvPr id="3" name="TextBox 2"/>
+          <p:cNvSpPr txBox="1"/>
+          <p:nvPr/>
+        </p:nvSpPr>
+        <p:spPr>
+          <a:xfrm>
+            <a:off x="178" y="5373218"/>
+            <a:ext cx="12191823" cy="769441"/>
+          </a:xfrm>
+          <a:prstGeom prst="rect">
+            <a:avLst/>
+          </a:prstGeom>
+          <a:noFill/>
+        </p:spPr>
+        <p:txBody>
+          <a:bodyPr wrap="square" rtlCol="0" anchor="ctr">
+            <a:spAutoFit/>
+          </a:bodyPr>
+          <a:lstStyle/>
+          <a:p>
+            <a:pPr algn="ctr"/>
+            <a:r>
+              <a:rPr lang="en-US" sz="4400" b="1" dirty="0">
+                <a:solidFill>
+                  <a:srgbClr val="000066"/>
+                </a:solidFill>
+                <a:effectLst/>
                 <a:latin typeface="Microsoft JhengHei" panose="020B0604030504040204" pitchFamily="34" charset="-120"/>
                 <a:ea typeface="Microsoft JhengHei" panose="020B0604030504040204" pitchFamily="34" charset="-120"/>
               </a:rPr>
-              <a:t>各各他的</a:t>
-            </a:r>
-            <a:r>
-              <a:rPr lang="zh-CN" altLang="en-US" sz="4800" b="1" dirty="0" smtClean="0">
+              <a:t>( </a:t>
+            </a:r>
+            <a:r>
+              <a:rPr lang="zh-CN" altLang="en-US" sz="4400" b="1" dirty="0">
+                <a:solidFill>
+                  <a:srgbClr val="000066"/>
+                </a:solidFill>
+                <a:effectLst/>
                 <a:latin typeface="Microsoft JhengHei" panose="020B0604030504040204" pitchFamily="34" charset="-120"/>
                 <a:ea typeface="Microsoft JhengHei" panose="020B0604030504040204" pitchFamily="34" charset="-120"/>
               </a:rPr>
-              <a:t>愛</a:t>
-            </a:r>
-            <a:endParaRPr lang="vi-VN" sz="4800" b="1" dirty="0">
-              <a:ea typeface="Microsoft JhengHei" panose="020B0604030504040204" pitchFamily="34" charset="-120"/>
-            </a:endParaRPr>
-          </a:p>
-        </p:txBody>
-      </p:sp>
-      <p:sp>
-        <p:nvSpPr>
-          <p:cNvPr id="3" name="Content Placeholder 2"/>
-          <p:cNvSpPr>
-            <a:spLocks noGrp="1"/>
-          </p:cNvSpPr>
-          <p:nvPr>
-            <p:ph idx="1"/>
-          </p:nvPr>
-        </p:nvSpPr>
-        <p:spPr/>
-        <p:txBody>
-          <a:bodyPr>
-            <a:noAutofit/>
-          </a:bodyPr>
-          <a:lstStyle/>
-          <a:p>
-            <a:pPr marL="0" indent="0" algn="ctr">
-              <a:buNone/>
-            </a:pPr>
-            <a:r>
-              <a:rPr lang="zh-TW" altLang="en-US" sz="5400" b="1" dirty="0">
+              <a:t>正</a:t>
+            </a:r>
+            <a:r>
+              <a:rPr lang="en-US" sz="4400" b="1" dirty="0">
+                <a:solidFill>
+                  <a:srgbClr val="000066"/>
+                </a:solidFill>
+                <a:effectLst/>
                 <a:latin typeface="Microsoft JhengHei" panose="020B0604030504040204" pitchFamily="34" charset="-120"/>
                 <a:ea typeface="Microsoft JhengHei" panose="020B0604030504040204" pitchFamily="34" charset="-120"/>
               </a:rPr>
-              <a:t>噢耶穌 </a:t>
-            </a:r>
-            <a:r>
-              <a:rPr lang="zh-TW" altLang="en-US" sz="5400" b="1" dirty="0">
+              <a:t> )</a:t>
+            </a:r>
+            <a:endParaRPr lang="vi-VN" sz="4400" b="1" dirty="0">
+              <a:solidFill>
+                <a:srgbClr val="000066"/>
+              </a:solidFill>
+              <a:effectLst/>
+              <a:ea typeface="Microsoft JhengHei" panose="020B0604030504040204" pitchFamily="34" charset="-120"/>
+            </a:endParaRPr>
+          </a:p>
+        </p:txBody>
+      </p:sp>
+    </p:spTree>
+    <p:extLst>
+      <p:ext uri="{BB962C8B-B14F-4D97-AF65-F5344CB8AC3E}">
+        <p14:creationId xmlns:p14="http://schemas.microsoft.com/office/powerpoint/2010/main" val="4071490129"/>
+      </p:ext>
+    </p:extLst>
+  </p:cSld>
+  <p:clrMapOvr>
+    <a:masterClrMapping/>
+  </p:clrMapOvr>
+</p:sld>
+</file>
+
+<file path=ppt/slides/slide3.xml><?xml version="1.0" encoding="utf-8"?>
+<p:sld xmlns:a="http://schemas.openxmlformats.org/drawingml/2006/main" xmlns:r="http://schemas.openxmlformats.org/officeDocument/2006/relationships" xmlns:p="http://schemas.openxmlformats.org/presentationml/2006/main">
+  <p:cSld>
+    <p:spTree>
+      <p:nvGrpSpPr>
+        <p:cNvPr id="1" name=""/>
+        <p:cNvGrpSpPr/>
+        <p:nvPr/>
+      </p:nvGrpSpPr>
+      <p:grpSpPr>
+        <a:xfrm>
+          <a:off x="0" y="0"/>
+          <a:ext cx="0" cy="0"/>
+          <a:chOff x="0" y="0"/>
+          <a:chExt cx="0" cy="0"/>
+        </a:xfrm>
+      </p:grpSpPr>
+      <p:sp>
+        <p:nvSpPr>
+          <p:cNvPr id="5" name="內容版面配置區 4"/>
+          <p:cNvSpPr>
+            <a:spLocks noGrp="1"/>
+          </p:cNvSpPr>
+          <p:nvPr>
+            <p:ph idx="1"/>
+          </p:nvPr>
+        </p:nvSpPr>
+        <p:spPr>
+          <a:xfrm>
+            <a:off x="0" y="2084851"/>
+            <a:ext cx="12192000" cy="2404863"/>
+          </a:xfrm>
+        </p:spPr>
+        <p:txBody>
+          <a:bodyPr anchor="ctr">
+            <a:normAutofit/>
+          </a:bodyPr>
+          <a:lstStyle/>
+          <a:p>
+            <a:pPr marL="0" indent="0" algn="ctr">
+              <a:buNone/>
+            </a:pPr>
+            <a:r>
+              <a:rPr lang="zh-TW" altLang="en-US" sz="6400" b="1" dirty="0">
+                <a:solidFill>
+                  <a:srgbClr val="000066"/>
+                </a:solidFill>
                 <a:latin typeface="Microsoft JhengHei" panose="020B0604030504040204" pitchFamily="34" charset="-120"/>
                 <a:ea typeface="Microsoft JhengHei" panose="020B0604030504040204" pitchFamily="34" charset="-120"/>
               </a:rPr>
-              <a:t> 我</a:t>
-            </a:r>
-            <a:r>
-              <a:rPr lang="zh-TW" altLang="en-US" sz="5400" b="1" dirty="0">
+              <a:t>一步步  走向那  名叫各各他</a:t>
+            </a:r>
+            <a:endParaRPr lang="en-US" altLang="zh-TW" sz="6400" b="1" dirty="0">
+              <a:solidFill>
+                <a:srgbClr val="000066"/>
+              </a:solidFill>
+              <a:latin typeface="Microsoft JhengHei" panose="020B0604030504040204" pitchFamily="34" charset="-120"/>
+              <a:ea typeface="Microsoft JhengHei" panose="020B0604030504040204" pitchFamily="34" charset="-120"/>
+            </a:endParaRPr>
+          </a:p>
+          <a:p>
+            <a:pPr marL="0" indent="0" algn="ctr">
+              <a:buNone/>
+            </a:pPr>
+            <a:r>
+              <a:rPr lang="zh-TW" altLang="en-US" sz="6400" b="1" dirty="0">
+                <a:solidFill>
+                  <a:srgbClr val="000066"/>
+                </a:solidFill>
                 <a:latin typeface="Microsoft JhengHei" panose="020B0604030504040204" pitchFamily="34" charset="-120"/>
                 <a:ea typeface="Microsoft JhengHei" panose="020B0604030504040204" pitchFamily="34" charset="-120"/>
               </a:rPr>
-              <a:t>的</a:t>
-            </a:r>
-            <a:r>
-              <a:rPr lang="zh-TW" altLang="en-US" sz="5400" b="1" dirty="0">
+              <a:t>甘心為我們釘十架</a:t>
+            </a:r>
+            <a:endParaRPr lang="vi-VN" sz="6400" b="1" dirty="0">
+              <a:solidFill>
+                <a:srgbClr val="000066"/>
+              </a:solidFill>
+              <a:ea typeface="Microsoft JhengHei" panose="020B0604030504040204" pitchFamily="34" charset="-120"/>
+            </a:endParaRPr>
+          </a:p>
+        </p:txBody>
+      </p:sp>
+      <p:sp>
+        <p:nvSpPr>
+          <p:cNvPr id="3" name="TextBox 2"/>
+          <p:cNvSpPr txBox="1"/>
+          <p:nvPr/>
+        </p:nvSpPr>
+        <p:spPr>
+          <a:xfrm>
+            <a:off x="178" y="5373218"/>
+            <a:ext cx="12191823" cy="769441"/>
+          </a:xfrm>
+          <a:prstGeom prst="rect">
+            <a:avLst/>
+          </a:prstGeom>
+          <a:noFill/>
+        </p:spPr>
+        <p:txBody>
+          <a:bodyPr wrap="square" rtlCol="0" anchor="ctr">
+            <a:spAutoFit/>
+          </a:bodyPr>
+          <a:lstStyle/>
+          <a:p>
+            <a:pPr algn="ctr"/>
+            <a:r>
+              <a:rPr lang="en-US" sz="4400" b="1" dirty="0">
+                <a:solidFill>
+                  <a:srgbClr val="000066"/>
+                </a:solidFill>
+                <a:effectLst/>
                 <a:latin typeface="Microsoft JhengHei" panose="020B0604030504040204" pitchFamily="34" charset="-120"/>
                 <a:ea typeface="Microsoft JhengHei" panose="020B0604030504040204" pitchFamily="34" charset="-120"/>
               </a:rPr>
-              <a:t>主  </a:t>
-            </a:r>
-            <a:r>
-              <a:rPr lang="zh-CN" altLang="en-US" sz="5400" b="1" dirty="0">
+              <a:t>( </a:t>
+            </a:r>
+            <a:r>
+              <a:rPr lang="zh-CN" altLang="en-US" sz="4400" b="1" dirty="0">
+                <a:solidFill>
+                  <a:srgbClr val="000066"/>
+                </a:solidFill>
+                <a:effectLst/>
+                <a:latin typeface="Microsoft JhengHei" panose="020B0604030504040204" pitchFamily="34" charset="-120"/>
+                <a:ea typeface="Microsoft JhengHei" panose="020B0604030504040204" pitchFamily="34" charset="-120"/>
+              </a:rPr>
+              <a:t>正</a:t>
+            </a:r>
+            <a:r>
+              <a:rPr lang="en-US" sz="4400" b="1" dirty="0">
+                <a:solidFill>
+                  <a:srgbClr val="000066"/>
+                </a:solidFill>
+                <a:effectLst/>
+                <a:latin typeface="Microsoft JhengHei" panose="020B0604030504040204" pitchFamily="34" charset="-120"/>
+                <a:ea typeface="Microsoft JhengHei" panose="020B0604030504040204" pitchFamily="34" charset="-120"/>
+              </a:rPr>
+              <a:t> )</a:t>
+            </a:r>
+            <a:endParaRPr lang="vi-VN" sz="4400" b="1" dirty="0">
+              <a:solidFill>
+                <a:srgbClr val="000066"/>
+              </a:solidFill>
+              <a:effectLst/>
+              <a:ea typeface="Microsoft JhengHei" panose="020B0604030504040204" pitchFamily="34" charset="-120"/>
+            </a:endParaRPr>
+          </a:p>
+        </p:txBody>
+      </p:sp>
+    </p:spTree>
+    <p:extLst>
+      <p:ext uri="{BB962C8B-B14F-4D97-AF65-F5344CB8AC3E}">
+        <p14:creationId xmlns:p14="http://schemas.microsoft.com/office/powerpoint/2010/main" val="3935975486"/>
+      </p:ext>
+    </p:extLst>
+  </p:cSld>
+  <p:clrMapOvr>
+    <a:masterClrMapping/>
+  </p:clrMapOvr>
+</p:sld>
+</file>
+
+<file path=ppt/slides/slide4.xml><?xml version="1.0" encoding="utf-8"?>
+<p:sld xmlns:a="http://schemas.openxmlformats.org/drawingml/2006/main" xmlns:r="http://schemas.openxmlformats.org/officeDocument/2006/relationships" xmlns:p="http://schemas.openxmlformats.org/presentationml/2006/main">
+  <p:cSld>
+    <p:spTree>
+      <p:nvGrpSpPr>
+        <p:cNvPr id="1" name=""/>
+        <p:cNvGrpSpPr/>
+        <p:nvPr/>
+      </p:nvGrpSpPr>
+      <p:grpSpPr>
+        <a:xfrm>
+          <a:off x="0" y="0"/>
+          <a:ext cx="0" cy="0"/>
+          <a:chOff x="0" y="0"/>
+          <a:chExt cx="0" cy="0"/>
+        </a:xfrm>
+      </p:grpSpPr>
+      <p:sp>
+        <p:nvSpPr>
+          <p:cNvPr id="5" name="內容版面配置區 4"/>
+          <p:cNvSpPr>
+            <a:spLocks noGrp="1"/>
+          </p:cNvSpPr>
+          <p:nvPr>
+            <p:ph idx="1"/>
+          </p:nvPr>
+        </p:nvSpPr>
+        <p:spPr>
+          <a:xfrm>
+            <a:off x="0" y="2084851"/>
+            <a:ext cx="12192000" cy="2404863"/>
+          </a:xfrm>
+        </p:spPr>
+        <p:txBody>
+          <a:bodyPr anchor="ctr">
+            <a:normAutofit/>
+          </a:bodyPr>
+          <a:lstStyle/>
+          <a:p>
+            <a:pPr marL="0" indent="0" algn="ctr">
+              <a:buNone/>
+            </a:pPr>
+            <a:r>
+              <a:rPr lang="zh-TW" altLang="en-US" sz="6400" b="1" dirty="0">
+                <a:solidFill>
+                  <a:srgbClr val="000066"/>
+                </a:solidFill>
+                <a:latin typeface="Microsoft JhengHei" panose="020B0604030504040204" pitchFamily="34" charset="-120"/>
+                <a:ea typeface="Microsoft JhengHei" panose="020B0604030504040204" pitchFamily="34" charset="-120"/>
+              </a:rPr>
+              <a:t>噢耶穌  我的主  </a:t>
+            </a:r>
+            <a:r>
+              <a:rPr lang="zh-CN" altLang="en-US" sz="6400" b="1" dirty="0">
+                <a:solidFill>
+                  <a:srgbClr val="000066"/>
+                </a:solidFill>
                 <a:latin typeface="Microsoft JhengHei" panose="020B0604030504040204" pitchFamily="34" charset="-120"/>
                 <a:ea typeface="Microsoft JhengHei" panose="020B0604030504040204" pitchFamily="34" charset="-120"/>
               </a:rPr>
               <a:t>袮</a:t>
             </a:r>
             <a:r>
-              <a:rPr lang="zh-TW" altLang="en-US" sz="5400" b="1" dirty="0" smtClean="0">
+              <a:rPr lang="zh-TW" altLang="en-US" sz="6400" b="1" dirty="0">
+                <a:solidFill>
+                  <a:srgbClr val="000066"/>
+                </a:solidFill>
                 <a:latin typeface="Microsoft JhengHei" panose="020B0604030504040204" pitchFamily="34" charset="-120"/>
                 <a:ea typeface="Microsoft JhengHei" panose="020B0604030504040204" pitchFamily="34" charset="-120"/>
               </a:rPr>
-              <a:t>寶</a:t>
-            </a:r>
-            <a:r>
-              <a:rPr lang="zh-TW" altLang="en-US" sz="5400" b="1" dirty="0">
+              <a:t>寶血為我流出</a:t>
+            </a:r>
+            <a:endParaRPr lang="en-US" altLang="zh-TW" sz="6400" b="1" dirty="0">
+              <a:solidFill>
+                <a:srgbClr val="000066"/>
+              </a:solidFill>
+              <a:latin typeface="Microsoft JhengHei" panose="020B0604030504040204" pitchFamily="34" charset="-120"/>
+              <a:ea typeface="Microsoft JhengHei" panose="020B0604030504040204" pitchFamily="34" charset="-120"/>
+            </a:endParaRPr>
+          </a:p>
+          <a:p>
+            <a:pPr marL="0" indent="0" algn="ctr">
+              <a:buNone/>
+            </a:pPr>
+            <a:r>
+              <a:rPr lang="zh-TW" altLang="en-US" sz="6400" b="1" dirty="0">
+                <a:solidFill>
+                  <a:srgbClr val="000066"/>
+                </a:solidFill>
                 <a:latin typeface="Microsoft JhengHei" panose="020B0604030504040204" pitchFamily="34" charset="-120"/>
                 <a:ea typeface="Microsoft JhengHei" panose="020B0604030504040204" pitchFamily="34" charset="-120"/>
               </a:rPr>
-              <a:t>血為我流</a:t>
-            </a:r>
-            <a:r>
-              <a:rPr lang="zh-TW" altLang="en-US" sz="5400" b="1" dirty="0">
+              <a:t>我真知這全是為了愛</a:t>
+            </a:r>
+            <a:endParaRPr lang="vi-VN" sz="6400" b="1" dirty="0">
+              <a:solidFill>
+                <a:srgbClr val="000066"/>
+              </a:solidFill>
+              <a:ea typeface="Microsoft JhengHei" panose="020B0604030504040204" pitchFamily="34" charset="-120"/>
+            </a:endParaRPr>
+          </a:p>
+        </p:txBody>
+      </p:sp>
+      <p:sp>
+        <p:nvSpPr>
+          <p:cNvPr id="3" name="TextBox 2"/>
+          <p:cNvSpPr txBox="1"/>
+          <p:nvPr/>
+        </p:nvSpPr>
+        <p:spPr>
+          <a:xfrm>
+            <a:off x="178" y="5373218"/>
+            <a:ext cx="12191823" cy="769441"/>
+          </a:xfrm>
+          <a:prstGeom prst="rect">
+            <a:avLst/>
+          </a:prstGeom>
+          <a:noFill/>
+        </p:spPr>
+        <p:txBody>
+          <a:bodyPr wrap="square" rtlCol="0" anchor="ctr">
+            <a:spAutoFit/>
+          </a:bodyPr>
+          <a:lstStyle/>
+          <a:p>
+            <a:pPr algn="ctr"/>
+            <a:r>
+              <a:rPr lang="en-US" sz="4400" b="1" dirty="0">
+                <a:solidFill>
+                  <a:srgbClr val="000066"/>
+                </a:solidFill>
+                <a:effectLst/>
                 <a:latin typeface="Microsoft JhengHei" panose="020B0604030504040204" pitchFamily="34" charset="-120"/>
                 <a:ea typeface="Microsoft JhengHei" panose="020B0604030504040204" pitchFamily="34" charset="-120"/>
               </a:rPr>
-              <a:t>出</a:t>
-            </a:r>
-            <a:endParaRPr lang="en-US" altLang="zh-TW" sz="5400" b="1" dirty="0">
-              <a:latin typeface="Microsoft JhengHei" panose="020B0604030504040204" pitchFamily="34" charset="-120"/>
-              <a:ea typeface="Microsoft JhengHei" panose="020B0604030504040204" pitchFamily="34" charset="-120"/>
-            </a:endParaRPr>
-          </a:p>
-          <a:p>
-            <a:pPr marL="0" indent="0" algn="ctr">
-              <a:buNone/>
-            </a:pPr>
-            <a:r>
-              <a:rPr lang="zh-TW" altLang="en-US" sz="5400" b="1" dirty="0">
+              <a:t>( </a:t>
+            </a:r>
+            <a:r>
+              <a:rPr lang="zh-CN" altLang="en-US" sz="4400" b="1" dirty="0">
+                <a:solidFill>
+                  <a:srgbClr val="000066"/>
+                </a:solidFill>
+                <a:effectLst/>
                 <a:latin typeface="Microsoft JhengHei" panose="020B0604030504040204" pitchFamily="34" charset="-120"/>
                 <a:ea typeface="Microsoft JhengHei" panose="020B0604030504040204" pitchFamily="34" charset="-120"/>
               </a:rPr>
-              <a:t>我</a:t>
-            </a:r>
-            <a:r>
-              <a:rPr lang="zh-TW" altLang="en-US" sz="5400" b="1" dirty="0">
-                <a:latin typeface="Microsoft JhengHei" panose="020B0604030504040204" pitchFamily="34" charset="-120"/>
-                <a:ea typeface="Microsoft JhengHei" panose="020B0604030504040204" pitchFamily="34" charset="-120"/>
-              </a:rPr>
-              <a:t>真知這全是為了愛 </a:t>
-            </a:r>
-            <a:endParaRPr lang="en-US" altLang="zh-TW" sz="5400" b="1" dirty="0">
-              <a:latin typeface="Microsoft JhengHei" panose="020B0604030504040204" pitchFamily="34" charset="-120"/>
-              <a:ea typeface="Microsoft JhengHei" panose="020B0604030504040204" pitchFamily="34" charset="-120"/>
-            </a:endParaRPr>
-          </a:p>
-          <a:p>
-            <a:pPr marL="0" indent="0" algn="ctr">
-              <a:buNone/>
-            </a:pPr>
-            <a:r>
-              <a:rPr lang="zh-TW" altLang="en-US" sz="5400" b="1" dirty="0">
-                <a:latin typeface="Microsoft JhengHei" panose="020B0604030504040204" pitchFamily="34" charset="-120"/>
-                <a:ea typeface="Microsoft JhengHei" panose="020B0604030504040204" pitchFamily="34" charset="-120"/>
-              </a:rPr>
-              <a:t>噢</a:t>
-            </a:r>
-            <a:r>
-              <a:rPr lang="zh-TW" altLang="en-US" sz="5400" b="1" dirty="0">
-                <a:latin typeface="Microsoft JhengHei" panose="020B0604030504040204" pitchFamily="34" charset="-120"/>
-                <a:ea typeface="Microsoft JhengHei" panose="020B0604030504040204" pitchFamily="34" charset="-120"/>
-              </a:rPr>
-              <a:t>耶穌 </a:t>
-            </a:r>
-            <a:r>
-              <a:rPr lang="zh-TW" altLang="en-US" sz="5400" b="1" dirty="0">
-                <a:latin typeface="Microsoft JhengHei" panose="020B0604030504040204" pitchFamily="34" charset="-120"/>
-                <a:ea typeface="Microsoft JhengHei" panose="020B0604030504040204" pitchFamily="34" charset="-120"/>
-              </a:rPr>
-              <a:t> 我</a:t>
-            </a:r>
-            <a:r>
-              <a:rPr lang="zh-TW" altLang="en-US" sz="5400" b="1" dirty="0">
-                <a:latin typeface="Microsoft JhengHei" panose="020B0604030504040204" pitchFamily="34" charset="-120"/>
-                <a:ea typeface="Microsoft JhengHei" panose="020B0604030504040204" pitchFamily="34" charset="-120"/>
-              </a:rPr>
-              <a:t>的主 </a:t>
-            </a:r>
-            <a:endParaRPr lang="en-US" altLang="zh-TW" sz="5400" b="1" dirty="0">
-              <a:latin typeface="Microsoft JhengHei" panose="020B0604030504040204" pitchFamily="34" charset="-120"/>
-              <a:ea typeface="Microsoft JhengHei" panose="020B0604030504040204" pitchFamily="34" charset="-120"/>
-            </a:endParaRPr>
-          </a:p>
-          <a:p>
-            <a:pPr marL="0" indent="0" algn="ctr">
-              <a:buNone/>
-            </a:pPr>
-            <a:r>
-              <a:rPr lang="zh-TW" altLang="en-US" sz="5400" b="1" dirty="0">
-                <a:latin typeface="Microsoft JhengHei" panose="020B0604030504040204" pitchFamily="34" charset="-120"/>
-                <a:ea typeface="Microsoft JhengHei" panose="020B0604030504040204" pitchFamily="34" charset="-120"/>
-              </a:rPr>
-              <a:t>因</a:t>
-            </a:r>
-            <a:r>
-              <a:rPr lang="zh-TW" altLang="en-US" sz="5400" b="1" dirty="0">
-                <a:latin typeface="Microsoft JhengHei" panose="020B0604030504040204" pitchFamily="34" charset="-120"/>
-                <a:ea typeface="Microsoft JhengHei" panose="020B0604030504040204" pitchFamily="34" charset="-120"/>
-              </a:rPr>
-              <a:t>著愛 </a:t>
-            </a:r>
-            <a:r>
-              <a:rPr lang="zh-TW" altLang="en-US" sz="5400" b="1" dirty="0">
+              <a:t>副</a:t>
+            </a:r>
+            <a:r>
+              <a:rPr lang="en-US" sz="4400" b="1" dirty="0">
+                <a:solidFill>
+                  <a:srgbClr val="000066"/>
+                </a:solidFill>
+                <a:effectLst/>
                 <a:latin typeface="Microsoft JhengHei" panose="020B0604030504040204" pitchFamily="34" charset="-120"/>
                 <a:ea typeface="Microsoft JhengHei" panose="020B0604030504040204" pitchFamily="34" charset="-120"/>
               </a:rPr>
               <a:t> </a:t>
             </a:r>
             <a:r>
-              <a:rPr lang="zh-CN" altLang="en-US" sz="5400" b="1" dirty="0" smtClean="0">
+              <a:rPr lang="en-US" sz="4400" b="1" dirty="0">
+                <a:solidFill>
+                  <a:srgbClr val="000066"/>
+                </a:solidFill>
+                <a:effectLst/>
+                <a:latin typeface="Microsoft JhengHei" panose="020B0604030504040204" pitchFamily="34" charset="-120"/>
+                <a:ea typeface="Microsoft JhengHei" panose="020B0604030504040204" pitchFamily="34" charset="-120"/>
+              </a:rPr>
+              <a:t>)</a:t>
+            </a:r>
+            <a:endParaRPr lang="vi-VN" sz="4400" b="1" dirty="0">
+              <a:solidFill>
+                <a:srgbClr val="000066"/>
+              </a:solidFill>
+              <a:effectLst/>
+              <a:ea typeface="Microsoft JhengHei" panose="020B0604030504040204" pitchFamily="34" charset="-120"/>
+            </a:endParaRPr>
+          </a:p>
+        </p:txBody>
+      </p:sp>
+    </p:spTree>
+    <p:extLst>
+      <p:ext uri="{BB962C8B-B14F-4D97-AF65-F5344CB8AC3E}">
+        <p14:creationId xmlns:p14="http://schemas.microsoft.com/office/powerpoint/2010/main" val="4124940964"/>
+      </p:ext>
+    </p:extLst>
+  </p:cSld>
+  <p:clrMapOvr>
+    <a:masterClrMapping/>
+  </p:clrMapOvr>
+</p:sld>
+</file>
+
+<file path=ppt/slides/slide5.xml><?xml version="1.0" encoding="utf-8"?>
+<p:sld xmlns:a="http://schemas.openxmlformats.org/drawingml/2006/main" xmlns:r="http://schemas.openxmlformats.org/officeDocument/2006/relationships" xmlns:p="http://schemas.openxmlformats.org/presentationml/2006/main">
+  <p:cSld>
+    <p:spTree>
+      <p:nvGrpSpPr>
+        <p:cNvPr id="1" name=""/>
+        <p:cNvGrpSpPr/>
+        <p:nvPr/>
+      </p:nvGrpSpPr>
+      <p:grpSpPr>
+        <a:xfrm>
+          <a:off x="0" y="0"/>
+          <a:ext cx="0" cy="0"/>
+          <a:chOff x="0" y="0"/>
+          <a:chExt cx="0" cy="0"/>
+        </a:xfrm>
+      </p:grpSpPr>
+      <p:sp>
+        <p:nvSpPr>
+          <p:cNvPr id="5" name="內容版面配置區 4"/>
+          <p:cNvSpPr>
+            <a:spLocks noGrp="1"/>
+          </p:cNvSpPr>
+          <p:nvPr>
+            <p:ph idx="1"/>
+          </p:nvPr>
+        </p:nvSpPr>
+        <p:spPr>
+          <a:xfrm>
+            <a:off x="0" y="2084851"/>
+            <a:ext cx="12192000" cy="2404863"/>
+          </a:xfrm>
+        </p:spPr>
+        <p:txBody>
+          <a:bodyPr anchor="ctr">
+            <a:normAutofit/>
+          </a:bodyPr>
+          <a:lstStyle/>
+          <a:p>
+            <a:pPr marL="0" indent="0" algn="ctr">
+              <a:buNone/>
+            </a:pPr>
+            <a:r>
+              <a:rPr lang="zh-TW" altLang="en-US" sz="6400" b="1" dirty="0">
+                <a:solidFill>
+                  <a:srgbClr val="000066"/>
+                </a:solidFill>
+                <a:latin typeface="Microsoft JhengHei" panose="020B0604030504040204" pitchFamily="34" charset="-120"/>
+                <a:ea typeface="Microsoft JhengHei" panose="020B0604030504040204" pitchFamily="34" charset="-120"/>
+              </a:rPr>
+              <a:t>噢耶穌  我的主 </a:t>
+            </a:r>
+            <a:endParaRPr lang="en-US" altLang="zh-TW" sz="6400" b="1" dirty="0">
+              <a:solidFill>
+                <a:srgbClr val="000066"/>
+              </a:solidFill>
+              <a:latin typeface="Microsoft JhengHei" panose="020B0604030504040204" pitchFamily="34" charset="-120"/>
+              <a:ea typeface="Microsoft JhengHei" panose="020B0604030504040204" pitchFamily="34" charset="-120"/>
+            </a:endParaRPr>
+          </a:p>
+          <a:p>
+            <a:pPr marL="0" indent="0" algn="ctr">
+              <a:buNone/>
+            </a:pPr>
+            <a:r>
+              <a:rPr lang="zh-TW" altLang="en-US" sz="6400" b="1" dirty="0">
+                <a:solidFill>
+                  <a:srgbClr val="000066"/>
+                </a:solidFill>
+                <a:latin typeface="Microsoft JhengHei" panose="020B0604030504040204" pitchFamily="34" charset="-120"/>
+                <a:ea typeface="Microsoft JhengHei" panose="020B0604030504040204" pitchFamily="34" charset="-120"/>
+              </a:rPr>
+              <a:t>因著愛  </a:t>
+            </a:r>
+            <a:r>
+              <a:rPr lang="zh-CN" altLang="en-US" sz="6400" b="1" dirty="0">
+                <a:solidFill>
+                  <a:srgbClr val="000066"/>
+                </a:solidFill>
                 <a:latin typeface="Microsoft JhengHei" panose="020B0604030504040204" pitchFamily="34" charset="-120"/>
                 <a:ea typeface="Microsoft JhengHei" panose="020B0604030504040204" pitchFamily="34" charset="-120"/>
               </a:rPr>
               <a:t>袮</a:t>
             </a:r>
             <a:r>
-              <a:rPr lang="zh-TW" altLang="en-US" sz="5400" b="1" dirty="0" smtClean="0">
+              <a:rPr lang="zh-TW" altLang="en-US" sz="6400" b="1" dirty="0">
+                <a:solidFill>
+                  <a:srgbClr val="000066"/>
+                </a:solidFill>
                 <a:latin typeface="Microsoft JhengHei" panose="020B0604030504040204" pitchFamily="34" charset="-120"/>
                 <a:ea typeface="Microsoft JhengHei" panose="020B0604030504040204" pitchFamily="34" charset="-120"/>
               </a:rPr>
-              <a:t>忍</a:t>
-            </a:r>
-            <a:r>
-              <a:rPr lang="zh-TW" altLang="en-US" sz="5400" b="1" dirty="0">
+              <a:t>忍受痛苦</a:t>
+            </a:r>
+            <a:endParaRPr lang="vi-VN" sz="6400" b="1" dirty="0">
+              <a:solidFill>
+                <a:srgbClr val="000066"/>
+              </a:solidFill>
+              <a:ea typeface="Microsoft JhengHei" panose="020B0604030504040204" pitchFamily="34" charset="-120"/>
+            </a:endParaRPr>
+          </a:p>
+        </p:txBody>
+      </p:sp>
+      <p:sp>
+        <p:nvSpPr>
+          <p:cNvPr id="3" name="TextBox 2"/>
+          <p:cNvSpPr txBox="1"/>
+          <p:nvPr/>
+        </p:nvSpPr>
+        <p:spPr>
+          <a:xfrm>
+            <a:off x="178" y="5373218"/>
+            <a:ext cx="12191823" cy="769441"/>
+          </a:xfrm>
+          <a:prstGeom prst="rect">
+            <a:avLst/>
+          </a:prstGeom>
+          <a:noFill/>
+        </p:spPr>
+        <p:txBody>
+          <a:bodyPr wrap="square" rtlCol="0" anchor="ctr">
+            <a:spAutoFit/>
+          </a:bodyPr>
+          <a:lstStyle/>
+          <a:p>
+            <a:pPr algn="ctr"/>
+            <a:r>
+              <a:rPr lang="en-US" sz="4400" b="1" dirty="0">
+                <a:solidFill>
+                  <a:srgbClr val="000066"/>
+                </a:solidFill>
+                <a:effectLst/>
                 <a:latin typeface="Microsoft JhengHei" panose="020B0604030504040204" pitchFamily="34" charset="-120"/>
                 <a:ea typeface="Microsoft JhengHei" panose="020B0604030504040204" pitchFamily="34" charset="-120"/>
               </a:rPr>
-              <a:t>受痛苦 </a:t>
-            </a:r>
-            <a:endParaRPr lang="en-US" altLang="zh-TW" sz="5400" b="1" dirty="0">
-              <a:latin typeface="Microsoft JhengHei" panose="020B0604030504040204" pitchFamily="34" charset="-120"/>
-              <a:ea typeface="Microsoft JhengHei" panose="020B0604030504040204" pitchFamily="34" charset="-120"/>
-            </a:endParaRPr>
-          </a:p>
-          <a:p>
-            <a:pPr marL="0" indent="0" algn="ctr">
-              <a:buNone/>
-            </a:pPr>
-            <a:r>
-              <a:rPr lang="zh-TW" altLang="en-US" sz="5400" b="1" dirty="0">
+              <a:t>( </a:t>
+            </a:r>
+            <a:r>
+              <a:rPr lang="zh-CN" altLang="en-US" sz="4400" b="1" dirty="0">
+                <a:solidFill>
+                  <a:srgbClr val="000066"/>
+                </a:solidFill>
+                <a:effectLst/>
                 <a:latin typeface="Microsoft JhengHei" panose="020B0604030504040204" pitchFamily="34" charset="-120"/>
                 <a:ea typeface="Microsoft JhengHei" panose="020B0604030504040204" pitchFamily="34" charset="-120"/>
               </a:rPr>
-              <a:t>因</a:t>
-            </a:r>
-            <a:r>
-              <a:rPr lang="zh-TW" altLang="en-US" sz="5400" b="1" dirty="0">
+              <a:t>副</a:t>
+            </a:r>
+            <a:r>
+              <a:rPr lang="en-US" sz="4400" b="1" dirty="0">
+                <a:solidFill>
+                  <a:srgbClr val="000066"/>
+                </a:solidFill>
+                <a:effectLst/>
                 <a:latin typeface="Microsoft JhengHei" panose="020B0604030504040204" pitchFamily="34" charset="-120"/>
                 <a:ea typeface="Microsoft JhengHei" panose="020B0604030504040204" pitchFamily="34" charset="-120"/>
               </a:rPr>
-              <a:t>著愛 </a:t>
-            </a:r>
-            <a:r>
-              <a:rPr lang="zh-TW" altLang="en-US" sz="5400" b="1" dirty="0">
+              <a:t> </a:t>
+            </a:r>
+            <a:r>
+              <a:rPr lang="en-US" sz="4400" b="1" dirty="0">
+                <a:solidFill>
+                  <a:srgbClr val="000066"/>
+                </a:solidFill>
+                <a:effectLst/>
                 <a:latin typeface="Microsoft JhengHei" panose="020B0604030504040204" pitchFamily="34" charset="-120"/>
                 <a:ea typeface="Microsoft JhengHei" panose="020B0604030504040204" pitchFamily="34" charset="-120"/>
               </a:rPr>
-              <a:t> 我</a:t>
-            </a:r>
-            <a:r>
-              <a:rPr lang="zh-TW" altLang="en-US" sz="5400" b="1" dirty="0" smtClean="0">
+              <a:t>)</a:t>
+            </a:r>
+            <a:endParaRPr lang="vi-VN" sz="4400" b="1" dirty="0">
+              <a:solidFill>
+                <a:srgbClr val="000066"/>
+              </a:solidFill>
+              <a:effectLst/>
+              <a:ea typeface="Microsoft JhengHei" panose="020B0604030504040204" pitchFamily="34" charset="-120"/>
+            </a:endParaRPr>
+          </a:p>
+        </p:txBody>
+      </p:sp>
+    </p:spTree>
+    <p:extLst>
+      <p:ext uri="{BB962C8B-B14F-4D97-AF65-F5344CB8AC3E}">
+        <p14:creationId xmlns:p14="http://schemas.microsoft.com/office/powerpoint/2010/main" val="3640060412"/>
+      </p:ext>
+    </p:extLst>
+  </p:cSld>
+  <p:clrMapOvr>
+    <a:masterClrMapping/>
+  </p:clrMapOvr>
+</p:sld>
+</file>
+
+<file path=ppt/slides/slide6.xml><?xml version="1.0" encoding="utf-8"?>
+<p:sld xmlns:a="http://schemas.openxmlformats.org/drawingml/2006/main" xmlns:r="http://schemas.openxmlformats.org/officeDocument/2006/relationships" xmlns:p="http://schemas.openxmlformats.org/presentationml/2006/main">
+  <p:cSld>
+    <p:spTree>
+      <p:nvGrpSpPr>
+        <p:cNvPr id="1" name=""/>
+        <p:cNvGrpSpPr/>
+        <p:nvPr/>
+      </p:nvGrpSpPr>
+      <p:grpSpPr>
+        <a:xfrm>
+          <a:off x="0" y="0"/>
+          <a:ext cx="0" cy="0"/>
+          <a:chOff x="0" y="0"/>
+          <a:chExt cx="0" cy="0"/>
+        </a:xfrm>
+      </p:grpSpPr>
+      <p:sp>
+        <p:nvSpPr>
+          <p:cNvPr id="5" name="內容版面配置區 4"/>
+          <p:cNvSpPr>
+            <a:spLocks noGrp="1"/>
+          </p:cNvSpPr>
+          <p:nvPr>
+            <p:ph idx="1"/>
+          </p:nvPr>
+        </p:nvSpPr>
+        <p:spPr>
+          <a:xfrm>
+            <a:off x="0" y="2084851"/>
+            <a:ext cx="12192000" cy="2404863"/>
+          </a:xfrm>
+        </p:spPr>
+        <p:txBody>
+          <a:bodyPr anchor="ctr">
+            <a:normAutofit/>
+          </a:bodyPr>
+          <a:lstStyle/>
+          <a:p>
+            <a:pPr marL="0" indent="0" algn="ctr">
+              <a:buNone/>
+            </a:pPr>
+            <a:r>
+              <a:rPr lang="zh-TW" altLang="en-US" sz="6400" b="1" dirty="0">
+                <a:solidFill>
+                  <a:srgbClr val="000066"/>
+                </a:solidFill>
                 <a:latin typeface="Microsoft JhengHei" panose="020B0604030504040204" pitchFamily="34" charset="-120"/>
                 <a:ea typeface="Microsoft JhengHei" panose="020B0604030504040204" pitchFamily="34" charset="-120"/>
               </a:rPr>
-              <a:t>被</a:t>
-            </a:r>
-            <a:r>
-              <a:rPr lang="zh-CN" altLang="en-US" sz="5400" b="1" dirty="0">
+              <a:t>因著愛  我被</a:t>
+            </a:r>
+            <a:r>
+              <a:rPr lang="zh-CN" altLang="en-US" sz="6400" b="1" dirty="0">
+                <a:solidFill>
+                  <a:srgbClr val="000066"/>
+                </a:solidFill>
                 <a:latin typeface="Microsoft JhengHei" panose="020B0604030504040204" pitchFamily="34" charset="-120"/>
                 <a:ea typeface="Microsoft JhengHei" panose="020B0604030504040204" pitchFamily="34" charset="-120"/>
               </a:rPr>
               <a:t>袮</a:t>
             </a:r>
             <a:r>
-              <a:rPr lang="zh-TW" altLang="en-US" sz="5400" b="1" dirty="0" smtClean="0">
+              <a:rPr lang="zh-TW" altLang="en-US" sz="6400" b="1" dirty="0">
+                <a:solidFill>
+                  <a:srgbClr val="000066"/>
+                </a:solidFill>
                 <a:latin typeface="Microsoft JhengHei" panose="020B0604030504040204" pitchFamily="34" charset="-120"/>
                 <a:ea typeface="Microsoft JhengHei" panose="020B0604030504040204" pitchFamily="34" charset="-120"/>
               </a:rPr>
-              <a:t>救</a:t>
-            </a:r>
-            <a:r>
-              <a:rPr lang="zh-TW" altLang="en-US" sz="5400" b="1" dirty="0">
+              <a:t>救贖</a:t>
+            </a:r>
+            <a:endParaRPr lang="vi-VN" sz="6400" b="1" dirty="0">
+              <a:solidFill>
+                <a:srgbClr val="000066"/>
+              </a:solidFill>
+              <a:latin typeface="Microsoft JhengHei" panose="020B0604030504040204" pitchFamily="34" charset="-120"/>
+              <a:ea typeface="Microsoft JhengHei" panose="020B0604030504040204" pitchFamily="34" charset="-120"/>
+            </a:endParaRPr>
+          </a:p>
+        </p:txBody>
+      </p:sp>
+      <p:sp>
+        <p:nvSpPr>
+          <p:cNvPr id="3" name="TextBox 2"/>
+          <p:cNvSpPr txBox="1"/>
+          <p:nvPr/>
+        </p:nvSpPr>
+        <p:spPr>
+          <a:xfrm>
+            <a:off x="178" y="5373218"/>
+            <a:ext cx="12191823" cy="769441"/>
+          </a:xfrm>
+          <a:prstGeom prst="rect">
+            <a:avLst/>
+          </a:prstGeom>
+          <a:noFill/>
+        </p:spPr>
+        <p:txBody>
+          <a:bodyPr wrap="square" rtlCol="0" anchor="ctr">
+            <a:spAutoFit/>
+          </a:bodyPr>
+          <a:lstStyle/>
+          <a:p>
+            <a:pPr algn="ctr"/>
+            <a:r>
+              <a:rPr lang="en-US" sz="4400" b="1" dirty="0">
+                <a:solidFill>
+                  <a:srgbClr val="000066"/>
+                </a:solidFill>
+                <a:effectLst/>
                 <a:latin typeface="Microsoft JhengHei" panose="020B0604030504040204" pitchFamily="34" charset="-120"/>
                 <a:ea typeface="Microsoft JhengHei" panose="020B0604030504040204" pitchFamily="34" charset="-120"/>
               </a:rPr>
-              <a:t>贖</a:t>
-            </a:r>
-            <a:endParaRPr lang="vi-VN" sz="5400" b="1" dirty="0">
-              <a:latin typeface="Microsoft JhengHei" panose="020B0604030504040204" pitchFamily="34" charset="-120"/>
+              <a:t>( </a:t>
+            </a:r>
+            <a:r>
+              <a:rPr lang="zh-CN" altLang="en-US" sz="4400" b="1" dirty="0">
+                <a:solidFill>
+                  <a:srgbClr val="000066"/>
+                </a:solidFill>
+                <a:effectLst/>
+                <a:latin typeface="Microsoft JhengHei" panose="020B0604030504040204" pitchFamily="34" charset="-120"/>
+                <a:ea typeface="Microsoft JhengHei" panose="020B0604030504040204" pitchFamily="34" charset="-120"/>
+              </a:rPr>
+              <a:t>副</a:t>
+            </a:r>
+            <a:r>
+              <a:rPr lang="en-US" sz="4400" b="1" dirty="0">
+                <a:solidFill>
+                  <a:srgbClr val="000066"/>
+                </a:solidFill>
+                <a:effectLst/>
+                <a:latin typeface="Microsoft JhengHei" panose="020B0604030504040204" pitchFamily="34" charset="-120"/>
+                <a:ea typeface="Microsoft JhengHei" panose="020B0604030504040204" pitchFamily="34" charset="-120"/>
+              </a:rPr>
+              <a:t> </a:t>
+            </a:r>
+            <a:r>
+              <a:rPr lang="en-US" sz="4400" b="1" dirty="0">
+                <a:solidFill>
+                  <a:srgbClr val="000066"/>
+                </a:solidFill>
+                <a:effectLst/>
+                <a:latin typeface="Microsoft JhengHei" panose="020B0604030504040204" pitchFamily="34" charset="-120"/>
+                <a:ea typeface="Microsoft JhengHei" panose="020B0604030504040204" pitchFamily="34" charset="-120"/>
+              </a:rPr>
+              <a:t>)</a:t>
+            </a:r>
+            <a:endParaRPr lang="vi-VN" sz="4400" b="1" dirty="0">
+              <a:solidFill>
+                <a:srgbClr val="000066"/>
+              </a:solidFill>
+              <a:effectLst/>
               <a:ea typeface="Microsoft JhengHei" panose="020B0604030504040204" pitchFamily="34" charset="-120"/>
             </a:endParaRPr>
           </a:p>
@@ -3685,7 +4099,7 @@
     </p:spTree>
     <p:extLst>
       <p:ext uri="{BB962C8B-B14F-4D97-AF65-F5344CB8AC3E}">
-        <p14:creationId xmlns:p14="http://schemas.microsoft.com/office/powerpoint/2010/main" val="1831823968"/>
+        <p14:creationId xmlns:p14="http://schemas.microsoft.com/office/powerpoint/2010/main" val="3819758837"/>
       </p:ext>
     </p:extLst>
   </p:cSld>
